--- a/2025.04.21HimalayasExpeditions.pptx
+++ b/2025.04.21HimalayasExpeditions.pptx
@@ -5,10 +5,10 @@
     <p:sldMasterId id="2147483648" r:id="rId1"/>
   </p:sldMasterIdLst>
   <p:notesMasterIdLst>
-    <p:notesMasterId r:id="rId8"/>
+    <p:notesMasterId r:id="rId9"/>
   </p:notesMasterIdLst>
   <p:handoutMasterIdLst>
-    <p:handoutMasterId r:id="rId9"/>
+    <p:handoutMasterId r:id="rId10"/>
   </p:handoutMasterIdLst>
   <p:sldIdLst>
     <p:sldId id="256" r:id="rId3"/>
@@ -16,6 +16,7 @@
     <p:sldId id="258" r:id="rId5"/>
     <p:sldId id="259" r:id="rId6"/>
     <p:sldId id="260" r:id="rId7"/>
+    <p:sldId id="261" r:id="rId8"/>
   </p:sldIdLst>
   <p:sldSz cx="12192000" cy="6858000"/>
   <p:notesSz cx="7103745" cy="10234295"/>
@@ -3940,6 +3941,60 @@
           </a:p>
         </p:txBody>
       </p:sp>
+      <p:sp>
+        <p:nvSpPr>
+          <p:cNvPr id="3" name="Rectangles 2"/>
+          <p:cNvSpPr/>
+          <p:nvPr/>
+        </p:nvSpPr>
+        <p:spPr>
+          <a:xfrm rot="18840000">
+            <a:off x="1397000" y="5539740"/>
+            <a:ext cx="609600" cy="139700"/>
+          </a:xfrm>
+          <a:prstGeom prst="rect">
+            <a:avLst/>
+          </a:prstGeom>
+          <a:noFill/>
+          <a:ln w="28575">
+            <a:solidFill>
+              <a:srgbClr val="FF0000"/>
+            </a:solidFill>
+          </a:ln>
+          <a:extLst>
+            <a:ext uri="{909E8E84-426E-40DD-AFC4-6F175D3DCCD1}">
+              <a14:hiddenFill xmlns:a14="http://schemas.microsoft.com/office/drawing/2010/main">
+                <a:solidFill>
+                  <a:schemeClr val="accent1"/>
+                </a:solidFill>
+              </a14:hiddenFill>
+            </a:ext>
+          </a:extLst>
+        </p:spPr>
+        <p:style>
+          <a:lnRef idx="2">
+            <a:schemeClr val="accent1">
+              <a:shade val="50000"/>
+            </a:schemeClr>
+          </a:lnRef>
+          <a:fillRef idx="1">
+            <a:schemeClr val="accent1"/>
+          </a:fillRef>
+          <a:effectRef idx="0">
+            <a:schemeClr val="accent1"/>
+          </a:effectRef>
+          <a:fontRef idx="minor">
+            <a:schemeClr val="lt1"/>
+          </a:fontRef>
+        </p:style>
+        <p:txBody>
+          <a:bodyPr rtlCol="0" anchor="ctr"/>
+          <a:p>
+            <a:pPr algn="ctr"/>
+            <a:endParaRPr lang="en-US"/>
+          </a:p>
+        </p:txBody>
+      </p:sp>
     </p:spTree>
   </p:cSld>
   <p:clrMapOvr>
@@ -4916,8 +4971,8 @@
         </p:blipFill>
         <p:spPr>
           <a:xfrm>
-            <a:off x="1581785" y="1600835"/>
-            <a:ext cx="8255635" cy="5039360"/>
+            <a:off x="1448435" y="753745"/>
+            <a:ext cx="8914130" cy="5441315"/>
           </a:xfrm>
           <a:prstGeom prst="rect">
             <a:avLst/>
@@ -5218,12 +5273,504 @@
                 <a:latin typeface="Arial" panose="020B0604020202020204"/>
                 <a:cs typeface="Arial" panose="020B0604020202020204"/>
               </a:rPr>
-              <a:t>Fig 1| More oxygen was used in the spring of 2023</a:t>
+              <a:t>Fig 4| More oxygen was used in the spring of 2023</a:t>
             </a:r>
             <a:endParaRPr lang="en-US" altLang="en-US" sz="1800">
               <a:latin typeface="Arial" panose="020B0604020202020204"/>
               <a:cs typeface="Arial" panose="020B0604020202020204"/>
             </a:endParaRPr>
+          </a:p>
+        </p:txBody>
+      </p:sp>
+    </p:spTree>
+  </p:cSld>
+  <p:clrMapOvr>
+    <a:masterClrMapping/>
+  </p:clrMapOvr>
+  <p:timing>
+    <p:tnLst>
+      <p:par>
+        <p:cTn id="1" dur="indefinite" restart="never" nodeType="tmRoot">
+          <p:childTnLst>
+            <p:seq concurrent="1" nextAc="seek">
+              <p:cTn id="2" dur="indefinite" nodeType="mainSeq">
+                <p:childTnLst>
+                  <p:par>
+                    <p:cTn id="3" fill="hold">
+                      <p:stCondLst>
+                        <p:cond delay="indefinite"/>
+                      </p:stCondLst>
+                      <p:childTnLst>
+                        <p:par>
+                          <p:cTn id="4" fill="hold">
+                            <p:stCondLst>
+                              <p:cond delay="0"/>
+                            </p:stCondLst>
+                            <p:childTnLst>
+                              <p:par>
+                                <p:cTn id="5" presetID="1" presetClass="entr" presetSubtype="0" fill="hold" grpId="0" nodeType="clickEffect">
+                                  <p:stCondLst>
+                                    <p:cond delay="0"/>
+                                  </p:stCondLst>
+                                  <p:childTnLst>
+                                    <p:set>
+                                      <p:cBhvr>
+                                        <p:cTn id="6" dur="1" fill="hold">
+                                          <p:stCondLst>
+                                            <p:cond delay="0"/>
+                                          </p:stCondLst>
+                                        </p:cTn>
+                                        <p:tgtEl>
+                                          <p:spTgt spid="8">
+                                            <p:txEl>
+                                              <p:pRg st="0" end="0"/>
+                                            </p:txEl>
+                                          </p:spTgt>
+                                        </p:tgtEl>
+                                        <p:attrNameLst>
+                                          <p:attrName>style.visibility</p:attrName>
+                                        </p:attrNameLst>
+                                      </p:cBhvr>
+                                      <p:to>
+                                        <p:strVal val="visible"/>
+                                      </p:to>
+                                    </p:set>
+                                  </p:childTnLst>
+                                </p:cTn>
+                              </p:par>
+                            </p:childTnLst>
+                          </p:cTn>
+                        </p:par>
+                      </p:childTnLst>
+                    </p:cTn>
+                  </p:par>
+                </p:childTnLst>
+              </p:cTn>
+              <p:prevCondLst>
+                <p:cond evt="onPrev" delay="0">
+                  <p:tgtEl>
+                    <p:sldTgt/>
+                  </p:tgtEl>
+                </p:cond>
+              </p:prevCondLst>
+              <p:nextCondLst>
+                <p:cond evt="onNext" delay="0">
+                  <p:tgtEl>
+                    <p:sldTgt/>
+                  </p:tgtEl>
+                </p:cond>
+              </p:nextCondLst>
+            </p:seq>
+          </p:childTnLst>
+        </p:cTn>
+      </p:par>
+    </p:tnLst>
+    <p:bldLst>
+      <p:bldP spid="8" grpId="0" build="p"/>
+    </p:bldLst>
+  </p:timing>
+</p:sld>
+</file>
+
+<file path=ppt/slides/slide6.xml><?xml version="1.0" encoding="utf-8"?>
+<p:sld xmlns:a="http://schemas.openxmlformats.org/drawingml/2006/main" xmlns:r="http://schemas.openxmlformats.org/officeDocument/2006/relationships" xmlns:p="http://schemas.openxmlformats.org/presentationml/2006/main">
+  <p:cSld>
+    <p:spTree>
+      <p:nvGrpSpPr>
+        <p:cNvPr id="1" name=""/>
+        <p:cNvGrpSpPr/>
+        <p:nvPr/>
+      </p:nvGrpSpPr>
+      <p:grpSpPr/>
+      <p:sp>
+        <p:nvSpPr>
+          <p:cNvPr id="5" name="Title 1"/>
+          <p:cNvSpPr>
+            <a:spLocks noGrp="1"/>
+          </p:cNvSpPr>
+          <p:nvPr/>
+        </p:nvSpPr>
+        <p:spPr>
+          <a:xfrm>
+            <a:off x="647700" y="197485"/>
+            <a:ext cx="10515600" cy="556260"/>
+          </a:xfrm>
+          <a:prstGeom prst="rect">
+            <a:avLst/>
+          </a:prstGeom>
+        </p:spPr>
+        <p:txBody>
+          <a:bodyPr vert="horz" lIns="91440" tIns="45720" rIns="91440" bIns="45720" rtlCol="0" anchor="ctr" anchorCtr="0">
+            <a:normAutofit/>
+          </a:bodyPr>
+          <a:lstStyle>
+            <a:lvl1pPr algn="l" defTabSz="914400" rtl="0" eaLnBrk="1" latinLnBrk="0" hangingPunct="1">
+              <a:lnSpc>
+                <a:spcPct val="90000"/>
+              </a:lnSpc>
+              <a:spcBef>
+                <a:spcPct val="0"/>
+              </a:spcBef>
+              <a:buNone/>
+              <a:defRPr sz="2400" b="1" kern="1200">
+                <a:solidFill>
+                  <a:schemeClr val="tx1"/>
+                </a:solidFill>
+                <a:effectLst>
+                  <a:outerShdw blurRad="38100" dist="38100" dir="2700000" algn="tl">
+                    <a:srgbClr val="000000">
+                      <a:alpha val="43137"/>
+                    </a:srgbClr>
+                  </a:outerShdw>
+                </a:effectLst>
+                <a:latin typeface="+mj-lt"/>
+                <a:ea typeface="+mj-ea"/>
+                <a:cs typeface="+mj-cs"/>
+              </a:defRPr>
+            </a:lvl1pPr>
+          </a:lstStyle>
+          <a:p>
+            <a:pPr algn="ctr"/>
+            <a:r>
+              <a:rPr lang="en-US"/>
+              <a:t>Oxygen  usage change over time</a:t>
+            </a:r>
+            <a:endParaRPr lang="en-US"/>
+          </a:p>
+        </p:txBody>
+      </p:sp>
+      <p:sp>
+        <p:nvSpPr>
+          <p:cNvPr id="6" name="Date Placeholder 5"/>
+          <p:cNvSpPr>
+            <a:spLocks noGrp="1"/>
+          </p:cNvSpPr>
+          <p:nvPr>
+            <p:ph type="dt" sz="half" idx="10"/>
+          </p:nvPr>
+        </p:nvSpPr>
+        <p:spPr/>
+        <p:txBody>
+          <a:bodyPr/>
+          <a:p>
+            <a:r>
+              <a:rPr lang="zh-CN" altLang="en-US" smtClean="0"/>
+              <a:t>2025-4-21</a:t>
+            </a:r>
+            <a:endParaRPr lang="zh-CN" altLang="en-US"/>
+          </a:p>
+        </p:txBody>
+      </p:sp>
+      <p:sp>
+        <p:nvSpPr>
+          <p:cNvPr id="7" name="Slide Number Placeholder 6"/>
+          <p:cNvSpPr>
+            <a:spLocks noGrp="1"/>
+          </p:cNvSpPr>
+          <p:nvPr>
+            <p:ph type="sldNum" sz="quarter" idx="12"/>
+          </p:nvPr>
+        </p:nvSpPr>
+        <p:spPr/>
+        <p:txBody>
+          <a:bodyPr/>
+          <a:p>
+            <a:fld id="{49AE70B2-8BF9-45C0-BB95-33D1B9D3A854}" type="slidenum">
+              <a:rPr lang="zh-CN" altLang="en-US" smtClean="0"/>
+            </a:fld>
+            <a:endParaRPr lang="zh-CN" altLang="en-US"/>
+          </a:p>
+        </p:txBody>
+      </p:sp>
+      <p:sp>
+        <p:nvSpPr>
+          <p:cNvPr id="8" name="Content Placeholder 2"/>
+          <p:cNvSpPr>
+            <a:spLocks noGrp="1"/>
+          </p:cNvSpPr>
+          <p:nvPr/>
+        </p:nvSpPr>
+        <p:spPr>
+          <a:xfrm>
+            <a:off x="2261870" y="6500495"/>
+            <a:ext cx="7495540" cy="322580"/>
+          </a:xfrm>
+          <a:prstGeom prst="rect">
+            <a:avLst/>
+          </a:prstGeom>
+        </p:spPr>
+        <p:txBody>
+          <a:bodyPr vert="horz" lIns="91440" tIns="45720" rIns="91440" bIns="45720" rtlCol="0" anchor="t">
+            <a:noAutofit/>
+          </a:bodyPr>
+          <a:lstStyle>
+            <a:lvl1pPr marL="228600" indent="-228600" algn="l" defTabSz="914400" rtl="0" eaLnBrk="1" latinLnBrk="0" hangingPunct="1">
+              <a:lnSpc>
+                <a:spcPct val="90000"/>
+              </a:lnSpc>
+              <a:spcBef>
+                <a:spcPts val="1000"/>
+              </a:spcBef>
+              <a:buFont typeface="Arial" panose="02080604020202020204" pitchFamily="34" charset="0"/>
+              <a:buChar char="•"/>
+              <a:defRPr sz="2800" kern="1200">
+                <a:solidFill>
+                  <a:schemeClr val="tx1"/>
+                </a:solidFill>
+                <a:latin typeface="+mn-lt"/>
+                <a:ea typeface="+mn-ea"/>
+                <a:cs typeface="+mn-cs"/>
+              </a:defRPr>
+            </a:lvl1pPr>
+            <a:lvl2pPr marL="685800" indent="-228600" algn="l" defTabSz="914400" rtl="0" eaLnBrk="1" latinLnBrk="0" hangingPunct="1">
+              <a:lnSpc>
+                <a:spcPct val="90000"/>
+              </a:lnSpc>
+              <a:spcBef>
+                <a:spcPts val="500"/>
+              </a:spcBef>
+              <a:buFont typeface="Arial" panose="02080604020202020204" pitchFamily="34" charset="0"/>
+              <a:buChar char="•"/>
+              <a:defRPr sz="2400" kern="1200">
+                <a:solidFill>
+                  <a:schemeClr val="tx1"/>
+                </a:solidFill>
+                <a:latin typeface="+mn-lt"/>
+                <a:ea typeface="+mn-ea"/>
+                <a:cs typeface="+mn-cs"/>
+              </a:defRPr>
+            </a:lvl2pPr>
+            <a:lvl3pPr marL="1143000" indent="-228600" algn="l" defTabSz="914400" rtl="0" eaLnBrk="1" latinLnBrk="0" hangingPunct="1">
+              <a:lnSpc>
+                <a:spcPct val="90000"/>
+              </a:lnSpc>
+              <a:spcBef>
+                <a:spcPts val="500"/>
+              </a:spcBef>
+              <a:buFont typeface="Arial" panose="02080604020202020204" pitchFamily="34" charset="0"/>
+              <a:buChar char="•"/>
+              <a:defRPr sz="2000" kern="1200">
+                <a:solidFill>
+                  <a:schemeClr val="tx1"/>
+                </a:solidFill>
+                <a:latin typeface="+mn-lt"/>
+                <a:ea typeface="+mn-ea"/>
+                <a:cs typeface="+mn-cs"/>
+              </a:defRPr>
+            </a:lvl3pPr>
+            <a:lvl4pPr marL="1600200" indent="-228600" algn="l" defTabSz="914400" rtl="0" eaLnBrk="1" latinLnBrk="0" hangingPunct="1">
+              <a:lnSpc>
+                <a:spcPct val="90000"/>
+              </a:lnSpc>
+              <a:spcBef>
+                <a:spcPts val="500"/>
+              </a:spcBef>
+              <a:buFont typeface="Arial" panose="02080604020202020204" pitchFamily="34" charset="0"/>
+              <a:buChar char="•"/>
+              <a:defRPr sz="1800" kern="1200">
+                <a:solidFill>
+                  <a:schemeClr val="tx1"/>
+                </a:solidFill>
+                <a:latin typeface="+mn-lt"/>
+                <a:ea typeface="+mn-ea"/>
+                <a:cs typeface="+mn-cs"/>
+              </a:defRPr>
+            </a:lvl4pPr>
+            <a:lvl5pPr marL="2057400" indent="-228600" algn="l" defTabSz="914400" rtl="0" eaLnBrk="1" latinLnBrk="0" hangingPunct="1">
+              <a:lnSpc>
+                <a:spcPct val="90000"/>
+              </a:lnSpc>
+              <a:spcBef>
+                <a:spcPts val="500"/>
+              </a:spcBef>
+              <a:buFont typeface="Arial" panose="02080604020202020204" pitchFamily="34" charset="0"/>
+              <a:buChar char="•"/>
+              <a:defRPr sz="1800" kern="1200">
+                <a:solidFill>
+                  <a:schemeClr val="tx1"/>
+                </a:solidFill>
+                <a:latin typeface="+mn-lt"/>
+                <a:ea typeface="+mn-ea"/>
+                <a:cs typeface="+mn-cs"/>
+              </a:defRPr>
+            </a:lvl5pPr>
+            <a:lvl6pPr marL="2514600" indent="-228600" algn="l" defTabSz="914400" rtl="0" eaLnBrk="1" latinLnBrk="0" hangingPunct="1">
+              <a:lnSpc>
+                <a:spcPct val="90000"/>
+              </a:lnSpc>
+              <a:spcBef>
+                <a:spcPts val="500"/>
+              </a:spcBef>
+              <a:buFont typeface="Arial" panose="02080604020202020204" pitchFamily="34" charset="0"/>
+              <a:buChar char="•"/>
+              <a:defRPr sz="1800" kern="1200">
+                <a:solidFill>
+                  <a:schemeClr val="tx1"/>
+                </a:solidFill>
+                <a:latin typeface="+mn-lt"/>
+                <a:ea typeface="+mn-ea"/>
+                <a:cs typeface="+mn-cs"/>
+              </a:defRPr>
+            </a:lvl6pPr>
+            <a:lvl7pPr marL="2971800" indent="-228600" algn="l" defTabSz="914400" rtl="0" eaLnBrk="1" latinLnBrk="0" hangingPunct="1">
+              <a:lnSpc>
+                <a:spcPct val="90000"/>
+              </a:lnSpc>
+              <a:spcBef>
+                <a:spcPts val="500"/>
+              </a:spcBef>
+              <a:buFont typeface="Arial" panose="02080604020202020204" pitchFamily="34" charset="0"/>
+              <a:buChar char="•"/>
+              <a:defRPr sz="1800" kern="1200">
+                <a:solidFill>
+                  <a:schemeClr val="tx1"/>
+                </a:solidFill>
+                <a:latin typeface="+mn-lt"/>
+                <a:ea typeface="+mn-ea"/>
+                <a:cs typeface="+mn-cs"/>
+              </a:defRPr>
+            </a:lvl7pPr>
+            <a:lvl8pPr marL="3429000" indent="-228600" algn="l" defTabSz="914400" rtl="0" eaLnBrk="1" latinLnBrk="0" hangingPunct="1">
+              <a:lnSpc>
+                <a:spcPct val="90000"/>
+              </a:lnSpc>
+              <a:spcBef>
+                <a:spcPts val="500"/>
+              </a:spcBef>
+              <a:buFont typeface="Arial" panose="02080604020202020204" pitchFamily="34" charset="0"/>
+              <a:buChar char="•"/>
+              <a:defRPr sz="1800" kern="1200">
+                <a:solidFill>
+                  <a:schemeClr val="tx1"/>
+                </a:solidFill>
+                <a:latin typeface="+mn-lt"/>
+                <a:ea typeface="+mn-ea"/>
+                <a:cs typeface="+mn-cs"/>
+              </a:defRPr>
+            </a:lvl8pPr>
+            <a:lvl9pPr marL="3886200" indent="-228600" algn="l" defTabSz="914400" rtl="0" eaLnBrk="1" latinLnBrk="0" hangingPunct="1">
+              <a:lnSpc>
+                <a:spcPct val="90000"/>
+              </a:lnSpc>
+              <a:spcBef>
+                <a:spcPts val="500"/>
+              </a:spcBef>
+              <a:buFont typeface="Arial" panose="02080604020202020204" pitchFamily="34" charset="0"/>
+              <a:buChar char="•"/>
+              <a:defRPr sz="1800" kern="1200">
+                <a:solidFill>
+                  <a:schemeClr val="tx1"/>
+                </a:solidFill>
+                <a:latin typeface="+mn-lt"/>
+                <a:ea typeface="+mn-ea"/>
+                <a:cs typeface="+mn-cs"/>
+              </a:defRPr>
+            </a:lvl9pPr>
+          </a:lstStyle>
+          <a:p>
+            <a:pPr marL="0" indent="0" algn="ctr">
+              <a:buNone/>
+            </a:pPr>
+            <a:r>
+              <a:rPr lang="en-US" altLang="en-US" sz="1800">
+                <a:latin typeface="Arial" panose="020B0604020202020204"/>
+                <a:cs typeface="Arial" panose="020B0604020202020204"/>
+              </a:rPr>
+              <a:t>Fig 4| More oxygen was used in the spring of 2023</a:t>
+            </a:r>
+            <a:endParaRPr lang="en-US" altLang="en-US" sz="1800">
+              <a:latin typeface="Arial" panose="020B0604020202020204"/>
+              <a:cs typeface="Arial" panose="020B0604020202020204"/>
+            </a:endParaRPr>
+          </a:p>
+        </p:txBody>
+      </p:sp>
+      <p:pic>
+        <p:nvPicPr>
+          <p:cNvPr id="3" name="Content Placeholder 2" descr="HimalayanclimbsbySeason"/>
+          <p:cNvPicPr>
+            <a:picLocks noChangeAspect="1"/>
+          </p:cNvPicPr>
+          <p:nvPr>
+            <p:ph idx="1"/>
+          </p:nvPr>
+        </p:nvPicPr>
+        <p:blipFill>
+          <a:blip r:embed="rId1"/>
+          <a:stretch>
+            <a:fillRect/>
+          </a:stretch>
+        </p:blipFill>
+        <p:spPr>
+          <a:xfrm>
+            <a:off x="1325880" y="753745"/>
+            <a:ext cx="9159875" cy="5504180"/>
+          </a:xfrm>
+          <a:prstGeom prst="rect">
+            <a:avLst/>
+          </a:prstGeom>
+        </p:spPr>
+      </p:pic>
+      <p:sp>
+        <p:nvSpPr>
+          <p:cNvPr id="9" name="Text Box 8"/>
+          <p:cNvSpPr txBox="1"/>
+          <p:nvPr/>
+        </p:nvSpPr>
+        <p:spPr>
+          <a:xfrm>
+            <a:off x="8646160" y="882015"/>
+            <a:ext cx="3258820" cy="1014730"/>
+          </a:xfrm>
+          <a:prstGeom prst="rect">
+            <a:avLst/>
+          </a:prstGeom>
+          <a:noFill/>
+        </p:spPr>
+        <p:txBody>
+          <a:bodyPr wrap="square" rtlCol="0">
+            <a:spAutoFit/>
+          </a:bodyPr>
+          <a:p>
+            <a:r>
+              <a:rPr lang="en-US" sz="1200"/>
+              <a:t>More spring&gt;summer climbs due to </a:t>
+            </a:r>
+            <a:endParaRPr lang="en-US" sz="1200"/>
+          </a:p>
+          <a:p>
+            <a:r>
+              <a:rPr lang="en-US" sz="1200"/>
+              <a:t>Favourable weather </a:t>
+            </a:r>
+            <a:endParaRPr lang="en-US" sz="1200"/>
+          </a:p>
+          <a:p>
+            <a:r>
+              <a:rPr lang="en-US" sz="1200"/>
+              <a:t>Reduced wind speeds</a:t>
+            </a:r>
+            <a:r>
+              <a:rPr lang="en-US" sz="1200">
+                <a:sym typeface="+mn-ea"/>
+              </a:rPr>
+              <a:t>(Monsoon winds)</a:t>
+            </a:r>
+            <a:endParaRPr lang="en-US" sz="1200"/>
+          </a:p>
+          <a:p>
+            <a:r>
+              <a:rPr lang="en-US" sz="1200"/>
+              <a:t>Clearer skies</a:t>
+            </a:r>
+            <a:endParaRPr lang="en-US" sz="1200"/>
+          </a:p>
+          <a:p>
+            <a:r>
+              <a:rPr lang="en-US" sz="1200"/>
+              <a:t>Milder temps</a:t>
+            </a:r>
+            <a:endParaRPr lang="en-US" sz="1200"/>
           </a:p>
         </p:txBody>
       </p:sp>
